--- a/Presentation/07 - Blazor - Error Handling.pptx
+++ b/Presentation/07 - Blazor - Error Handling.pptx
@@ -242,7 +242,7 @@
             <a:fld id="{A74C3DD1-6B4C-423E-A696-BD4124EC33BC}" type="datetimeFigureOut">
               <a:rPr lang="cs-CZ" smtClean="0"/>
               <a:pPr/>
-              <a:t>21.02.2020</a:t>
+              <a:t>27.02.2020</a:t>
             </a:fld>
             <a:endParaRPr lang="cs-CZ" dirty="0"/>
           </a:p>
@@ -709,7 +709,7 @@
           <a:p>
             <a:fld id="{0DA6F2F8-F70A-47D7-AD2D-4F12E71A0C18}" type="datetimeFigureOut">
               <a:rPr lang="cs-CZ" smtClean="0"/>
-              <a:t>21.02.2020</a:t>
+              <a:t>27.02.2020</a:t>
             </a:fld>
             <a:endParaRPr lang="cs-CZ"/>
           </a:p>
@@ -891,7 +891,7 @@
           <a:p>
             <a:fld id="{0DA6F2F8-F70A-47D7-AD2D-4F12E71A0C18}" type="datetimeFigureOut">
               <a:rPr lang="cs-CZ" smtClean="0"/>
-              <a:t>21.02.2020</a:t>
+              <a:t>27.02.2020</a:t>
             </a:fld>
             <a:endParaRPr lang="cs-CZ"/>
           </a:p>
@@ -1083,7 +1083,7 @@
           <a:p>
             <a:fld id="{0DA6F2F8-F70A-47D7-AD2D-4F12E71A0C18}" type="datetimeFigureOut">
               <a:rPr lang="cs-CZ" smtClean="0"/>
-              <a:t>21.02.2020</a:t>
+              <a:t>27.02.2020</a:t>
             </a:fld>
             <a:endParaRPr lang="cs-CZ"/>
           </a:p>
@@ -1298,7 +1298,7 @@
           <a:p>
             <a:fld id="{0DA6F2F8-F70A-47D7-AD2D-4F12E71A0C18}" type="datetimeFigureOut">
               <a:rPr lang="cs-CZ" smtClean="0"/>
-              <a:t>21.02.2020</a:t>
+              <a:t>27.02.2020</a:t>
             </a:fld>
             <a:endParaRPr lang="cs-CZ"/>
           </a:p>
@@ -1573,7 +1573,7 @@
           <a:p>
             <a:fld id="{0DA6F2F8-F70A-47D7-AD2D-4F12E71A0C18}" type="datetimeFigureOut">
               <a:rPr lang="cs-CZ" smtClean="0"/>
-              <a:t>21.02.2020</a:t>
+              <a:t>27.02.2020</a:t>
             </a:fld>
             <a:endParaRPr lang="cs-CZ"/>
           </a:p>
@@ -1890,7 +1890,7 @@
           <a:p>
             <a:fld id="{0DA6F2F8-F70A-47D7-AD2D-4F12E71A0C18}" type="datetimeFigureOut">
               <a:rPr lang="cs-CZ" smtClean="0"/>
-              <a:t>21.02.2020</a:t>
+              <a:t>27.02.2020</a:t>
             </a:fld>
             <a:endParaRPr lang="cs-CZ" dirty="0"/>
           </a:p>
@@ -2341,7 +2341,7 @@
           <a:p>
             <a:fld id="{0DA6F2F8-F70A-47D7-AD2D-4F12E71A0C18}" type="datetimeFigureOut">
               <a:rPr lang="cs-CZ" smtClean="0"/>
-              <a:t>21.02.2020</a:t>
+              <a:t>27.02.2020</a:t>
             </a:fld>
             <a:endParaRPr lang="cs-CZ"/>
           </a:p>
@@ -2488,7 +2488,7 @@
           <a:p>
             <a:fld id="{0DA6F2F8-F70A-47D7-AD2D-4F12E71A0C18}" type="datetimeFigureOut">
               <a:rPr lang="cs-CZ" smtClean="0"/>
-              <a:t>21.02.2020</a:t>
+              <a:t>27.02.2020</a:t>
             </a:fld>
             <a:endParaRPr lang="cs-CZ"/>
           </a:p>
@@ -2595,7 +2595,7 @@
           <a:p>
             <a:fld id="{0DA6F2F8-F70A-47D7-AD2D-4F12E71A0C18}" type="datetimeFigureOut">
               <a:rPr lang="cs-CZ" smtClean="0"/>
-              <a:t>21.02.2020</a:t>
+              <a:t>27.02.2020</a:t>
             </a:fld>
             <a:endParaRPr lang="cs-CZ"/>
           </a:p>
@@ -2886,7 +2886,7 @@
           <a:p>
             <a:fld id="{0DA6F2F8-F70A-47D7-AD2D-4F12E71A0C18}" type="datetimeFigureOut">
               <a:rPr lang="cs-CZ" smtClean="0"/>
-              <a:t>21.02.2020</a:t>
+              <a:t>27.02.2020</a:t>
             </a:fld>
             <a:endParaRPr lang="cs-CZ"/>
           </a:p>
@@ -3155,7 +3155,7 @@
           <a:p>
             <a:fld id="{0DA6F2F8-F70A-47D7-AD2D-4F12E71A0C18}" type="datetimeFigureOut">
               <a:rPr lang="cs-CZ" smtClean="0"/>
-              <a:t>21.02.2020</a:t>
+              <a:t>27.02.2020</a:t>
             </a:fld>
             <a:endParaRPr lang="cs-CZ"/>
           </a:p>
@@ -3419,7 +3419,7 @@
           <a:p>
             <a:fld id="{0DA6F2F8-F70A-47D7-AD2D-4F12E71A0C18}" type="datetimeFigureOut">
               <a:rPr lang="cs-CZ" smtClean="0"/>
-              <a:t>21.02.2020</a:t>
+              <a:t>27.02.2020</a:t>
             </a:fld>
             <a:endParaRPr lang="cs-CZ"/>
           </a:p>
@@ -3890,11 +3890,11 @@
   <p:clrMapOvr>
     <a:masterClrMapping/>
   </p:clrMapOvr>
-  <mc:AlternateContent xmlns:mc="http://schemas.openxmlformats.org/markup-compatibility/2006" xmlns:p14="http://schemas.microsoft.com/office/powerpoint/2010/main">
-    <mc:Choice Requires="p14">
+  <mc:AlternateContent xmlns:mc="http://schemas.openxmlformats.org/markup-compatibility/2006">
+    <mc:Choice xmlns:p14="http://schemas.microsoft.com/office/powerpoint/2010/main" Requires="p14">
       <p:transition p14:dur="0"/>
     </mc:Choice>
-    <mc:Fallback xmlns="">
+    <mc:Fallback>
       <p:transition/>
     </mc:Fallback>
   </mc:AlternateContent>
@@ -3994,16 +3994,12 @@
   <p:clrMapOvr>
     <a:masterClrMapping/>
   </p:clrMapOvr>
-  <mc:AlternateContent xmlns:mc="http://schemas.openxmlformats.org/markup-compatibility/2006" xmlns:p14="http://schemas.microsoft.com/office/powerpoint/2010/main">
-    <mc:Choice Requires="p14">
-      <p:transition spd="med" p14:dur="700">
-        <p:fade/>
-      </p:transition>
+  <mc:AlternateContent xmlns:mc="http://schemas.openxmlformats.org/markup-compatibility/2006">
+    <mc:Choice xmlns:p14="http://schemas.microsoft.com/office/powerpoint/2010/main" Requires="p14">
+      <p:transition p14:dur="0"/>
     </mc:Choice>
-    <mc:Fallback xmlns="">
-      <p:transition spd="med">
-        <p:fade/>
-      </p:transition>
+    <mc:Fallback>
+      <p:transition/>
     </mc:Fallback>
   </mc:AlternateContent>
 </p:sld>
@@ -4552,16 +4548,12 @@
   <p:clrMapOvr>
     <a:masterClrMapping/>
   </p:clrMapOvr>
-  <mc:AlternateContent xmlns:mc="http://schemas.openxmlformats.org/markup-compatibility/2006" xmlns:p14="http://schemas.microsoft.com/office/powerpoint/2010/main">
-    <mc:Choice Requires="p14">
-      <p:transition spd="med" p14:dur="700">
-        <p:fade/>
-      </p:transition>
+  <mc:AlternateContent xmlns:mc="http://schemas.openxmlformats.org/markup-compatibility/2006">
+    <mc:Choice xmlns:p14="http://schemas.microsoft.com/office/powerpoint/2010/main" Requires="p14">
+      <p:transition p14:dur="0"/>
     </mc:Choice>
-    <mc:Fallback xmlns="">
-      <p:transition spd="med">
-        <p:fade/>
-      </p:transition>
+    <mc:Fallback>
+      <p:transition/>
     </mc:Fallback>
   </mc:AlternateContent>
 </p:sld>
@@ -4691,16 +4683,12 @@
   <p:clrMapOvr>
     <a:masterClrMapping/>
   </p:clrMapOvr>
-  <mc:AlternateContent xmlns:mc="http://schemas.openxmlformats.org/markup-compatibility/2006" xmlns:p14="http://schemas.microsoft.com/office/powerpoint/2010/main">
-    <mc:Choice Requires="p14">
-      <p:transition spd="med" p14:dur="700">
-        <p:fade/>
-      </p:transition>
+  <mc:AlternateContent xmlns:mc="http://schemas.openxmlformats.org/markup-compatibility/2006">
+    <mc:Choice xmlns:p14="http://schemas.microsoft.com/office/powerpoint/2010/main" Requires="p14">
+      <p:transition p14:dur="0"/>
     </mc:Choice>
-    <mc:Fallback xmlns="">
-      <p:transition spd="med">
-        <p:fade/>
-      </p:transition>
+    <mc:Fallback>
+      <p:transition/>
     </mc:Fallback>
   </mc:AlternateContent>
 </p:sld>
@@ -5282,6 +5270,21 @@
 </file>
 
 <file path=customXml/item1.xml><?xml version="1.0" encoding="utf-8"?>
+<p:properties xmlns:p="http://schemas.microsoft.com/office/2006/metadata/properties" xmlns:xsi="http://www.w3.org/2001/XMLSchema-instance" xmlns:pc="http://schemas.microsoft.com/office/infopath/2007/PartnerControls">
+  <documentManagement/>
+</p:properties>
+</file>
+
+<file path=customXml/item2.xml><?xml version="1.0" encoding="utf-8"?>
+<?mso-contentType ?>
+<FormTemplates xmlns="http://schemas.microsoft.com/sharepoint/v3/contenttype/forms">
+  <Display>DocumentLibraryForm</Display>
+  <Edit>DocumentLibraryForm</Edit>
+  <New>DocumentLibraryForm</New>
+</FormTemplates>
+</file>
+
+<file path=customXml/item3.xml><?xml version="1.0" encoding="utf-8"?>
 <ct:contentTypeSchema xmlns:ct="http://schemas.microsoft.com/office/2006/metadata/contentType" xmlns:ma="http://schemas.microsoft.com/office/2006/metadata/properties/metaAttributes" ct:_="" ma:_="" ma:contentTypeName="Dokument" ma:contentTypeID="0x0101000FED9D5FE1F44145801737A7BA47560B" ma:contentTypeVersion="0" ma:contentTypeDescription="Vytvoří nový dokument" ma:contentTypeScope="" ma:versionID="865cee90d61be235413a64cabd79a281">
   <xsd:schema xmlns:xsd="http://www.w3.org/2001/XMLSchema" xmlns:xs="http://www.w3.org/2001/XMLSchema" xmlns:p="http://schemas.microsoft.com/office/2006/metadata/properties" targetNamespace="http://schemas.microsoft.com/office/2006/metadata/properties" ma:root="true" ma:fieldsID="871d6b51c5141eb32e0d04e037372b3c">
     <xsd:element name="properties">
@@ -5395,32 +5398,10 @@
 </ct:contentTypeSchema>
 </file>
 
-<file path=customXml/item2.xml><?xml version="1.0" encoding="utf-8"?>
-<?mso-contentType ?>
-<FormTemplates xmlns="http://schemas.microsoft.com/sharepoint/v3/contenttype/forms">
-  <Display>DocumentLibraryForm</Display>
-  <Edit>DocumentLibraryForm</Edit>
-  <New>DocumentLibraryForm</New>
-</FormTemplates>
-</file>
-
-<file path=customXml/item3.xml><?xml version="1.0" encoding="utf-8"?>
-<p:properties xmlns:p="http://schemas.microsoft.com/office/2006/metadata/properties" xmlns:xsi="http://www.w3.org/2001/XMLSchema-instance" xmlns:pc="http://schemas.microsoft.com/office/infopath/2007/PartnerControls">
-  <documentManagement/>
-</p:properties>
-</file>
-
 <file path=customXml/itemProps1.xml><?xml version="1.0" encoding="utf-8"?>
-<ds:datastoreItem xmlns:ds="http://schemas.openxmlformats.org/officeDocument/2006/customXml" ds:itemID="{BABDB233-CC77-4AD7-B48B-2F061438568A}">
+<ds:datastoreItem xmlns:ds="http://schemas.openxmlformats.org/officeDocument/2006/customXml" ds:itemID="{317FD51D-081C-435E-8F5D-6D88218064D9}">
   <ds:schemaRefs>
-    <ds:schemaRef ds:uri="http://schemas.microsoft.com/office/2006/metadata/contentType"/>
-    <ds:schemaRef ds:uri="http://schemas.microsoft.com/office/2006/metadata/properties/metaAttributes"/>
-    <ds:schemaRef ds:uri="http://www.w3.org/2001/XMLSchema"/>
     <ds:schemaRef ds:uri="http://schemas.microsoft.com/office/2006/metadata/properties"/>
-    <ds:schemaRef ds:uri="http://schemas.openxmlformats.org/package/2006/metadata/core-properties"/>
-    <ds:schemaRef ds:uri="http://purl.org/dc/elements/1.1/"/>
-    <ds:schemaRef ds:uri="http://purl.org/dc/terms/"/>
-    <ds:schemaRef ds:uri="http://schemas.microsoft.com/internal/obd"/>
     <ds:schemaRef ds:uri="http://schemas.microsoft.com/office/infopath/2007/PartnerControls"/>
   </ds:schemaRefs>
 </ds:datastoreItem>
@@ -5435,9 +5416,16 @@
 </file>
 
 <file path=customXml/itemProps3.xml><?xml version="1.0" encoding="utf-8"?>
-<ds:datastoreItem xmlns:ds="http://schemas.openxmlformats.org/officeDocument/2006/customXml" ds:itemID="{317FD51D-081C-435E-8F5D-6D88218064D9}">
+<ds:datastoreItem xmlns:ds="http://schemas.openxmlformats.org/officeDocument/2006/customXml" ds:itemID="{BABDB233-CC77-4AD7-B48B-2F061438568A}">
   <ds:schemaRefs>
+    <ds:schemaRef ds:uri="http://schemas.microsoft.com/office/2006/metadata/contentType"/>
+    <ds:schemaRef ds:uri="http://schemas.microsoft.com/office/2006/metadata/properties/metaAttributes"/>
+    <ds:schemaRef ds:uri="http://www.w3.org/2001/XMLSchema"/>
     <ds:schemaRef ds:uri="http://schemas.microsoft.com/office/2006/metadata/properties"/>
+    <ds:schemaRef ds:uri="http://schemas.openxmlformats.org/package/2006/metadata/core-properties"/>
+    <ds:schemaRef ds:uri="http://purl.org/dc/elements/1.1/"/>
+    <ds:schemaRef ds:uri="http://purl.org/dc/terms/"/>
+    <ds:schemaRef ds:uri="http://schemas.microsoft.com/internal/obd"/>
     <ds:schemaRef ds:uri="http://schemas.microsoft.com/office/infopath/2007/PartnerControls"/>
   </ds:schemaRefs>
 </ds:datastoreItem>
